--- a/문자출력과제.pptx
+++ b/문자출력과제.pptx
@@ -140,6 +140,43 @@
 </p:presentation>
 </file>
 
+<file path=ppt/revisionInfo.xml><?xml version="1.0" encoding="utf-8"?>
+<p1510:revInfo xmlns:a="http://schemas.openxmlformats.org/drawingml/2006/main" xmlns:r="http://schemas.openxmlformats.org/officeDocument/2006/relationships" xmlns:p1510="http://schemas.microsoft.com/office/powerpoint/2015/10/main">
+  <p1510:revLst>
+    <p1510:client id="{34749DC5-4589-7841-8B75-0361C4A80A11}" v="1" dt="2025-03-23T08:15:35.665"/>
+  </p1510:revLst>
+</p1510:revInfo>
+</file>
+
+<file path=ppt/changesInfos/changesInfo1.xml><?xml version="1.0" encoding="utf-8"?>
+<pc:chgInfo xmlns:a="http://schemas.openxmlformats.org/drawingml/2006/main" xmlns:r="http://schemas.openxmlformats.org/officeDocument/2006/relationships" xmlns:ac="http://schemas.microsoft.com/office/drawing/2013/main/command" xmlns:pc="http://schemas.microsoft.com/office/powerpoint/2013/main/command">
+  <pc:docChgLst>
+    <pc:chgData name="이 예찬" userId="3d1a746d-8caf-4492-8716-88e1afe1ec8b" providerId="ADAL" clId="{34749DC5-4589-7841-8B75-0361C4A80A11}"/>
+    <pc:docChg chg="modSld">
+      <pc:chgData name="이 예찬" userId="3d1a746d-8caf-4492-8716-88e1afe1ec8b" providerId="ADAL" clId="{34749DC5-4589-7841-8B75-0361C4A80A11}" dt="2025-03-23T08:15:35.664" v="0" actId="571"/>
+      <pc:docMkLst>
+        <pc:docMk/>
+      </pc:docMkLst>
+      <pc:sldChg chg="addSp modSp">
+        <pc:chgData name="이 예찬" userId="3d1a746d-8caf-4492-8716-88e1afe1ec8b" providerId="ADAL" clId="{34749DC5-4589-7841-8B75-0361C4A80A11}" dt="2025-03-23T08:15:35.664" v="0" actId="571"/>
+        <pc:sldMkLst>
+          <pc:docMk/>
+          <pc:sldMk cId="1566328026" sldId="482"/>
+        </pc:sldMkLst>
+        <pc:picChg chg="add mod">
+          <ac:chgData name="이 예찬" userId="3d1a746d-8caf-4492-8716-88e1afe1ec8b" providerId="ADAL" clId="{34749DC5-4589-7841-8B75-0361C4A80A11}" dt="2025-03-23T08:15:35.664" v="0" actId="571"/>
+          <ac:picMkLst>
+            <pc:docMk/>
+            <pc:sldMk cId="1566328026" sldId="482"/>
+            <ac:picMk id="2" creationId="{23894987-FB15-D9C7-C5D9-8B42DC2EB49A}"/>
+          </ac:picMkLst>
+        </pc:picChg>
+      </pc:sldChg>
+    </pc:docChg>
+  </pc:docChgLst>
+</pc:chgInfo>
+</file>
+
 <file path=ppt/notesMasters/notesMaster1.xml><?xml version="1.0" encoding="utf-8"?>
 <p:notesMaster xmlns:a="http://schemas.openxmlformats.org/drawingml/2006/main" xmlns:r="http://schemas.openxmlformats.org/officeDocument/2006/relationships" xmlns:p="http://schemas.openxmlformats.org/presentationml/2006/main">
   <p:cSld>
@@ -222,7 +259,7 @@
           <a:p>
             <a:fld id="{D3E903A0-CC60-4CDC-B2BC-4C38FACC8886}" type="datetimeFigureOut">
               <a:rPr lang="ko-KR" altLang="en-US" smtClean="0"/>
-              <a:t>2025-03-21</a:t>
+              <a:t>2025. 3. 23.</a:t>
             </a:fld>
             <a:endParaRPr lang="ko-KR" altLang="en-US"/>
           </a:p>
@@ -5638,6 +5675,41 @@
           </a:p>
         </p:txBody>
       </p:sp>
+      <p:pic>
+        <p:nvPicPr>
+          <p:cNvPr id="2" name="그림 1">
+            <a:extLst>
+              <a:ext uri="{FF2B5EF4-FFF2-40B4-BE49-F238E27FC236}">
+                <a16:creationId xmlns:a16="http://schemas.microsoft.com/office/drawing/2014/main" id="{23894987-FB15-D9C7-C5D9-8B42DC2EB49A}"/>
+              </a:ext>
+            </a:extLst>
+          </p:cNvPr>
+          <p:cNvPicPr>
+            <a:picLocks noChangeAspect="1"/>
+          </p:cNvPicPr>
+          <p:nvPr/>
+        </p:nvPicPr>
+        <p:blipFill>
+          <a:blip r:embed="rId2">
+            <a:extLst>
+              <a:ext uri="{28A0092B-C50C-407E-A947-70E740481C1C}">
+                <a14:useLocalDpi xmlns:a14="http://schemas.microsoft.com/office/drawing/2010/main" val="0"/>
+              </a:ext>
+            </a:extLst>
+          </a:blip>
+          <a:srcRect/>
+          <a:stretch/>
+        </p:blipFill>
+        <p:spPr>
+          <a:xfrm>
+            <a:off x="457200" y="91998"/>
+            <a:ext cx="9144000" cy="5715000"/>
+          </a:xfrm>
+          <a:prstGeom prst="rect">
+            <a:avLst/>
+          </a:prstGeom>
+        </p:spPr>
+      </p:pic>
     </p:spTree>
     <p:extLst>
       <p:ext uri="{BB962C8B-B14F-4D97-AF65-F5344CB8AC3E}">
